--- a/2_冒泡排序.pptx
+++ b/2_冒泡排序.pptx
@@ -4609,6 +4609,13 @@
             <a:endParaRPr lang="zh-CN" altLang="en-US" dirty="0"/>
           </a:p>
           <a:p>
+            <a:endParaRPr lang="zh-CN" altLang="en-US" dirty="0"/>
+          </a:p>
+          <a:p>
+            <a:r>
+              <a:rPr lang="zh-CN" altLang="en-US" dirty="0"/>
+              <a:t>冒泡排序和选择排序都可以用来排列结构，而计数排序不能排列结构。</a:t>
+            </a:r>
             <a:endParaRPr lang="zh-CN" altLang="en-US" dirty="0"/>
           </a:p>
           <a:p>
